--- a/report/assets/er.pptx
+++ b/report/assets/er.pptx
@@ -7,6 +7,7 @@
   <p:sldIdLst>
     <p:sldId id="256" r:id="rId2"/>
     <p:sldId id="257" r:id="rId3"/>
+    <p:sldId id="258" r:id="rId4"/>
   </p:sldIdLst>
   <p:sldSz cx="12192000" cy="6858000"/>
   <p:notesSz cx="6858000" cy="9144000"/>
@@ -260,7 +261,7 @@
           <a:p>
             <a:fld id="{DA356BEE-AE16-4038-BC20-B71D18C6B4A6}" type="datetimeFigureOut">
               <a:rPr lang="zh-CN" altLang="en-US" smtClean="0"/>
-              <a:t>2021/05/04</a:t>
+              <a:t>2021/06/26</a:t>
             </a:fld>
             <a:endParaRPr lang="zh-CN" altLang="en-US"/>
           </a:p>
@@ -458,7 +459,7 @@
           <a:p>
             <a:fld id="{DA356BEE-AE16-4038-BC20-B71D18C6B4A6}" type="datetimeFigureOut">
               <a:rPr lang="zh-CN" altLang="en-US" smtClean="0"/>
-              <a:t>2021/05/04</a:t>
+              <a:t>2021/06/26</a:t>
             </a:fld>
             <a:endParaRPr lang="zh-CN" altLang="en-US"/>
           </a:p>
@@ -666,7 +667,7 @@
           <a:p>
             <a:fld id="{DA356BEE-AE16-4038-BC20-B71D18C6B4A6}" type="datetimeFigureOut">
               <a:rPr lang="zh-CN" altLang="en-US" smtClean="0"/>
-              <a:t>2021/05/04</a:t>
+              <a:t>2021/06/26</a:t>
             </a:fld>
             <a:endParaRPr lang="zh-CN" altLang="en-US"/>
           </a:p>
@@ -864,7 +865,7 @@
           <a:p>
             <a:fld id="{DA356BEE-AE16-4038-BC20-B71D18C6B4A6}" type="datetimeFigureOut">
               <a:rPr lang="zh-CN" altLang="en-US" smtClean="0"/>
-              <a:t>2021/05/04</a:t>
+              <a:t>2021/06/26</a:t>
             </a:fld>
             <a:endParaRPr lang="zh-CN" altLang="en-US"/>
           </a:p>
@@ -1139,7 +1140,7 @@
           <a:p>
             <a:fld id="{DA356BEE-AE16-4038-BC20-B71D18C6B4A6}" type="datetimeFigureOut">
               <a:rPr lang="zh-CN" altLang="en-US" smtClean="0"/>
-              <a:t>2021/05/04</a:t>
+              <a:t>2021/06/26</a:t>
             </a:fld>
             <a:endParaRPr lang="zh-CN" altLang="en-US"/>
           </a:p>
@@ -1404,7 +1405,7 @@
           <a:p>
             <a:fld id="{DA356BEE-AE16-4038-BC20-B71D18C6B4A6}" type="datetimeFigureOut">
               <a:rPr lang="zh-CN" altLang="en-US" smtClean="0"/>
-              <a:t>2021/05/04</a:t>
+              <a:t>2021/06/26</a:t>
             </a:fld>
             <a:endParaRPr lang="zh-CN" altLang="en-US"/>
           </a:p>
@@ -1816,7 +1817,7 @@
           <a:p>
             <a:fld id="{DA356BEE-AE16-4038-BC20-B71D18C6B4A6}" type="datetimeFigureOut">
               <a:rPr lang="zh-CN" altLang="en-US" smtClean="0"/>
-              <a:t>2021/05/04</a:t>
+              <a:t>2021/06/26</a:t>
             </a:fld>
             <a:endParaRPr lang="zh-CN" altLang="en-US"/>
           </a:p>
@@ -1957,7 +1958,7 @@
           <a:p>
             <a:fld id="{DA356BEE-AE16-4038-BC20-B71D18C6B4A6}" type="datetimeFigureOut">
               <a:rPr lang="zh-CN" altLang="en-US" smtClean="0"/>
-              <a:t>2021/05/04</a:t>
+              <a:t>2021/06/26</a:t>
             </a:fld>
             <a:endParaRPr lang="zh-CN" altLang="en-US"/>
           </a:p>
@@ -2070,7 +2071,7 @@
           <a:p>
             <a:fld id="{DA356BEE-AE16-4038-BC20-B71D18C6B4A6}" type="datetimeFigureOut">
               <a:rPr lang="zh-CN" altLang="en-US" smtClean="0"/>
-              <a:t>2021/05/04</a:t>
+              <a:t>2021/06/26</a:t>
             </a:fld>
             <a:endParaRPr lang="zh-CN" altLang="en-US"/>
           </a:p>
@@ -2381,7 +2382,7 @@
           <a:p>
             <a:fld id="{DA356BEE-AE16-4038-BC20-B71D18C6B4A6}" type="datetimeFigureOut">
               <a:rPr lang="zh-CN" altLang="en-US" smtClean="0"/>
-              <a:t>2021/05/04</a:t>
+              <a:t>2021/06/26</a:t>
             </a:fld>
             <a:endParaRPr lang="zh-CN" altLang="en-US"/>
           </a:p>
@@ -2669,7 +2670,7 @@
           <a:p>
             <a:fld id="{DA356BEE-AE16-4038-BC20-B71D18C6B4A6}" type="datetimeFigureOut">
               <a:rPr lang="zh-CN" altLang="en-US" smtClean="0"/>
-              <a:t>2021/05/04</a:t>
+              <a:t>2021/06/26</a:t>
             </a:fld>
             <a:endParaRPr lang="zh-CN" altLang="en-US"/>
           </a:p>
@@ -2910,7 +2911,7 @@
           <a:p>
             <a:fld id="{DA356BEE-AE16-4038-BC20-B71D18C6B4A6}" type="datetimeFigureOut">
               <a:rPr lang="zh-CN" altLang="en-US" smtClean="0"/>
-              <a:t>2021/05/04</a:t>
+              <a:t>2021/06/26</a:t>
             </a:fld>
             <a:endParaRPr lang="zh-CN" altLang="en-US"/>
           </a:p>
@@ -3336,13 +3337,16 @@
               </a:ext>
             </a:extLst>
           </p:cNvPr>
-          <p:cNvCxnSpPr/>
+          <p:cNvCxnSpPr>
+            <a:cxnSpLocks/>
+            <a:stCxn id="44" idx="3"/>
+          </p:cNvCxnSpPr>
           <p:nvPr/>
         </p:nvCxnSpPr>
         <p:spPr>
           <a:xfrm flipH="1">
-            <a:off x="8054599" y="1515528"/>
-            <a:ext cx="998415" cy="0"/>
+            <a:off x="8717549" y="1376882"/>
+            <a:ext cx="413568" cy="0"/>
           </a:xfrm>
           <a:prstGeom prst="line">
             <a:avLst/>
@@ -3382,10 +3386,10 @@
         </p:nvGrpSpPr>
         <p:grpSpPr>
           <a:xfrm>
-            <a:off x="4713514" y="2596563"/>
-            <a:ext cx="2764971" cy="4082143"/>
+            <a:off x="3364032" y="146903"/>
+            <a:ext cx="2431343" cy="4558447"/>
             <a:chOff x="1807029" y="2198914"/>
-            <a:chExt cx="2764971" cy="4082143"/>
+            <a:chExt cx="2764971" cy="4558447"/>
           </a:xfrm>
         </p:grpSpPr>
         <p:sp>
@@ -3476,7 +3480,7 @@
           <p:spPr>
             <a:xfrm>
               <a:off x="1807029" y="3026228"/>
-              <a:ext cx="2764971" cy="3254829"/>
+              <a:ext cx="2764971" cy="3731133"/>
             </a:xfrm>
             <a:prstGeom prst="rect">
               <a:avLst/>
@@ -3508,9 +3512,8 @@
             <a:bodyPr rtlCol="0" anchor="ctr"/>
             <a:lstStyle/>
             <a:p>
-              <a:pPr algn="ctr"/>
               <a:r>
-                <a:rPr lang="en-US" altLang="zh-CN" sz="3200" i="1" u="sng" dirty="0">
+                <a:rPr lang="en-US" altLang="zh-CN" sz="3200" i="1" u="sng">
                   <a:solidFill>
                     <a:schemeClr val="tx1"/>
                   </a:solidFill>
@@ -3519,9 +3522,15 @@
                 </a:rPr>
                 <a:t>_ID</a:t>
               </a:r>
+              <a:endParaRPr lang="en-US" altLang="zh-CN" sz="3200" i="1" u="sng" dirty="0">
+                <a:solidFill>
+                  <a:schemeClr val="tx1"/>
+                </a:solidFill>
+                <a:latin typeface="Times New Roman" panose="02020603050405020304" pitchFamily="18" charset="0"/>
+                <a:cs typeface="Times New Roman" panose="02020603050405020304" pitchFamily="18" charset="0"/>
+              </a:endParaRPr>
             </a:p>
             <a:p>
-              <a:pPr algn="ctr"/>
               <a:r>
                 <a:rPr lang="en-US" altLang="zh-CN" sz="3200" i="1" dirty="0">
                   <a:solidFill>
@@ -3534,7 +3543,6 @@
               </a:r>
             </a:p>
             <a:p>
-              <a:pPr algn="ctr"/>
               <a:r>
                 <a:rPr lang="en-US" altLang="zh-CN" sz="3200" i="1" dirty="0">
                   <a:solidFill>
@@ -3547,7 +3555,37 @@
               </a:r>
             </a:p>
             <a:p>
-              <a:pPr algn="ctr"/>
+              <a:r>
+                <a:rPr lang="en-US" altLang="zh-CN" sz="3200" b="1" i="1">
+                  <a:solidFill>
+                    <a:schemeClr val="tx1"/>
+                  </a:solidFill>
+                  <a:latin typeface="Times New Roman" panose="02020603050405020304" pitchFamily="18" charset="0"/>
+                  <a:cs typeface="Times New Roman" panose="02020603050405020304" pitchFamily="18" charset="0"/>
+                </a:rPr>
+                <a:t>location_lat</a:t>
+              </a:r>
+            </a:p>
+            <a:p>
+              <a:r>
+                <a:rPr lang="en-US" altLang="zh-CN" sz="3200" b="1" i="1">
+                  <a:solidFill>
+                    <a:schemeClr val="tx1"/>
+                  </a:solidFill>
+                  <a:latin typeface="Times New Roman" panose="02020603050405020304" pitchFamily="18" charset="0"/>
+                  <a:cs typeface="Times New Roman" panose="02020603050405020304" pitchFamily="18" charset="0"/>
+                </a:rPr>
+                <a:t>location_lng</a:t>
+              </a:r>
+              <a:endParaRPr lang="en-US" altLang="zh-CN" sz="3200" b="1" i="1" dirty="0">
+                <a:solidFill>
+                  <a:schemeClr val="tx1"/>
+                </a:solidFill>
+                <a:latin typeface="Times New Roman" panose="02020603050405020304" pitchFamily="18" charset="0"/>
+                <a:cs typeface="Times New Roman" panose="02020603050405020304" pitchFamily="18" charset="0"/>
+              </a:endParaRPr>
+            </a:p>
+            <a:p>
               <a:r>
                 <a:rPr lang="en-US" altLang="zh-CN" sz="3200" i="1" dirty="0">
                   <a:solidFill>
@@ -3556,24 +3594,27 @@
                   <a:latin typeface="Times New Roman" panose="02020603050405020304" pitchFamily="18" charset="0"/>
                   <a:cs typeface="Times New Roman" panose="02020603050405020304" pitchFamily="18" charset="0"/>
                 </a:rPr>
-                <a:t>location</a:t>
+                <a:t>t</a:t>
               </a:r>
-            </a:p>
-            <a:p>
-              <a:pPr algn="ctr"/>
               <a:r>
-                <a:rPr lang="en-US" altLang="zh-CN" sz="3200" i="1" dirty="0">
+                <a:rPr lang="en-US" altLang="zh-CN" sz="3200" i="1">
                   <a:solidFill>
                     <a:schemeClr val="tx1"/>
                   </a:solidFill>
                   <a:latin typeface="Times New Roman" panose="02020603050405020304" pitchFamily="18" charset="0"/>
                   <a:cs typeface="Times New Roman" panose="02020603050405020304" pitchFamily="18" charset="0"/>
                 </a:rPr>
-                <a:t>Type</a:t>
+                <a:t>ype</a:t>
               </a:r>
+              <a:endParaRPr lang="en-US" altLang="zh-CN" sz="3200" i="1" dirty="0">
+                <a:solidFill>
+                  <a:schemeClr val="tx1"/>
+                </a:solidFill>
+                <a:latin typeface="Times New Roman" panose="02020603050405020304" pitchFamily="18" charset="0"/>
+                <a:cs typeface="Times New Roman" panose="02020603050405020304" pitchFamily="18" charset="0"/>
+              </a:endParaRPr>
             </a:p>
             <a:p>
-              <a:pPr algn="ctr"/>
               <a:r>
                 <a:rPr lang="en-US" altLang="zh-CN" sz="3200" i="1" dirty="0">
                   <a:solidFill>
@@ -3609,10 +3650,10 @@
         </p:nvGrpSpPr>
         <p:grpSpPr>
           <a:xfrm>
-            <a:off x="182099" y="146903"/>
-            <a:ext cx="2764971" cy="4082145"/>
+            <a:off x="309470" y="146903"/>
+            <a:ext cx="1739976" cy="5143553"/>
             <a:chOff x="1807029" y="2198914"/>
-            <a:chExt cx="2764971" cy="4082145"/>
+            <a:chExt cx="2083328" cy="5143553"/>
           </a:xfrm>
         </p:grpSpPr>
         <p:sp>
@@ -3630,7 +3671,7 @@
           <p:spPr>
             <a:xfrm>
               <a:off x="1807029" y="2198914"/>
-              <a:ext cx="2764971" cy="827315"/>
+              <a:ext cx="2083328" cy="827315"/>
             </a:xfrm>
             <a:prstGeom prst="rect">
               <a:avLst/>
@@ -3702,8 +3743,8 @@
           </p:nvSpPr>
           <p:spPr>
             <a:xfrm>
-              <a:off x="1807029" y="3026229"/>
-              <a:ext cx="2764971" cy="3254830"/>
+              <a:off x="1807029" y="3026228"/>
+              <a:ext cx="2083328" cy="4316239"/>
             </a:xfrm>
             <a:prstGeom prst="rect">
               <a:avLst/>
@@ -3735,7 +3776,6 @@
             <a:bodyPr rtlCol="0" anchor="ctr"/>
             <a:lstStyle/>
             <a:p>
-              <a:pPr algn="ctr"/>
               <a:r>
                 <a:rPr lang="en-US" altLang="zh-CN" sz="3200" i="1" u="sng" dirty="0">
                   <a:solidFill>
@@ -3748,7 +3788,6 @@
               </a:r>
             </a:p>
             <a:p>
-              <a:pPr algn="ctr"/>
               <a:r>
                 <a:rPr lang="en-US" altLang="zh-CN" sz="3200" i="1" dirty="0">
                   <a:solidFill>
@@ -3761,7 +3800,6 @@
               </a:r>
             </a:p>
             <a:p>
-              <a:pPr algn="ctr"/>
               <a:r>
                 <a:rPr lang="en-US" altLang="zh-CN" sz="3200" i="1" dirty="0">
                   <a:solidFill>
@@ -3774,20 +3812,25 @@
               </a:r>
             </a:p>
             <a:p>
-              <a:pPr algn="ctr"/>
               <a:r>
-                <a:rPr lang="en-US" altLang="zh-CN" sz="3200" i="1" dirty="0">
+                <a:rPr lang="en-US" altLang="zh-CN" sz="3200" i="1">
                   <a:solidFill>
                     <a:schemeClr val="tx1"/>
                   </a:solidFill>
                   <a:latin typeface="Times New Roman" panose="02020603050405020304" pitchFamily="18" charset="0"/>
                   <a:cs typeface="Times New Roman" panose="02020603050405020304" pitchFamily="18" charset="0"/>
                 </a:rPr>
-                <a:t>state</a:t>
+                <a:t>status</a:t>
               </a:r>
+              <a:endParaRPr lang="en-US" altLang="zh-CN" sz="3200" i="1" dirty="0">
+                <a:solidFill>
+                  <a:schemeClr val="tx1"/>
+                </a:solidFill>
+                <a:latin typeface="Times New Roman" panose="02020603050405020304" pitchFamily="18" charset="0"/>
+                <a:cs typeface="Times New Roman" panose="02020603050405020304" pitchFamily="18" charset="0"/>
+              </a:endParaRPr>
             </a:p>
             <a:p>
-              <a:pPr algn="ctr"/>
               <a:r>
                 <a:rPr lang="en-US" altLang="zh-CN" sz="3200" i="1" dirty="0">
                   <a:solidFill>
@@ -3800,9 +3843,8 @@
               </a:r>
             </a:p>
             <a:p>
-              <a:pPr algn="ctr"/>
               <a:r>
-                <a:rPr lang="en-US" altLang="zh-CN" sz="3200" i="1" dirty="0">
+                <a:rPr lang="en-US" altLang="zh-CN" sz="3200" i="1">
                   <a:solidFill>
                     <a:schemeClr val="tx1"/>
                   </a:solidFill>
@@ -3812,6 +3854,37 @@
                 <a:t>step</a:t>
               </a:r>
             </a:p>
+            <a:p>
+              <a:r>
+                <a:rPr lang="en-US" altLang="zh-CN" sz="3200" b="1" i="1">
+                  <a:solidFill>
+                    <a:schemeClr val="tx1"/>
+                  </a:solidFill>
+                  <a:latin typeface="Times New Roman" panose="02020603050405020304" pitchFamily="18" charset="0"/>
+                  <a:cs typeface="Times New Roman" panose="02020603050405020304" pitchFamily="18" charset="0"/>
+                </a:rPr>
+                <a:t>wardID</a:t>
+              </a:r>
+            </a:p>
+            <a:p>
+              <a:r>
+                <a:rPr lang="en-US" altLang="zh-CN" sz="3200" b="1" i="1">
+                  <a:solidFill>
+                    <a:schemeClr val="tx1"/>
+                  </a:solidFill>
+                  <a:latin typeface="Times New Roman" panose="02020603050405020304" pitchFamily="18" charset="0"/>
+                  <a:cs typeface="Times New Roman" panose="02020603050405020304" pitchFamily="18" charset="0"/>
+                </a:rPr>
+                <a:t>bedID</a:t>
+              </a:r>
+              <a:endParaRPr lang="en-US" altLang="zh-CN" sz="3200" b="1" i="1" dirty="0">
+                <a:solidFill>
+                  <a:schemeClr val="tx1"/>
+                </a:solidFill>
+                <a:latin typeface="Times New Roman" panose="02020603050405020304" pitchFamily="18" charset="0"/>
+                <a:cs typeface="Times New Roman" panose="02020603050405020304" pitchFamily="18" charset="0"/>
+              </a:endParaRPr>
+            </a:p>
           </p:txBody>
         </p:sp>
       </p:grpSp>
@@ -3829,8 +3902,8 @@
         </p:nvGrpSpPr>
         <p:grpSpPr>
           <a:xfrm>
-            <a:off x="9218185" y="146903"/>
-            <a:ext cx="2764971" cy="3556397"/>
+            <a:off x="9893952" y="146903"/>
+            <a:ext cx="2015786" cy="3556397"/>
             <a:chOff x="1807029" y="2277558"/>
             <a:chExt cx="2764971" cy="3187071"/>
           </a:xfrm>
@@ -3955,9 +4028,8 @@
             <a:bodyPr rtlCol="0" anchor="ctr"/>
             <a:lstStyle/>
             <a:p>
-              <a:pPr algn="ctr"/>
               <a:r>
-                <a:rPr lang="en-US" altLang="zh-CN" sz="3200" i="1" u="sng" dirty="0">
+                <a:rPr lang="en-US" altLang="zh-CN" sz="3200" i="1" u="sng">
                   <a:solidFill>
                     <a:schemeClr val="tx1"/>
                   </a:solidFill>
@@ -3968,22 +4040,8 @@
               </a:r>
             </a:p>
             <a:p>
-              <a:pPr algn="ctr"/>
               <a:r>
-                <a:rPr lang="en-US" altLang="zh-CN" sz="3200" i="1" dirty="0">
-                  <a:solidFill>
-                    <a:schemeClr val="tx1"/>
-                  </a:solidFill>
-                  <a:latin typeface="Times New Roman" panose="02020603050405020304" pitchFamily="18" charset="0"/>
-                  <a:cs typeface="Times New Roman" panose="02020603050405020304" pitchFamily="18" charset="0"/>
-                </a:rPr>
-                <a:t>Email</a:t>
-              </a:r>
-            </a:p>
-            <a:p>
-              <a:pPr algn="ctr"/>
-              <a:r>
-                <a:rPr lang="en-US" altLang="zh-CN" sz="3200" i="1" dirty="0">
+                <a:rPr lang="en-US" altLang="zh-CN" sz="3200" i="1">
                   <a:solidFill>
                     <a:schemeClr val="tx1"/>
                   </a:solidFill>
@@ -3994,40 +4052,268 @@
               </a:r>
             </a:p>
             <a:p>
-              <a:pPr algn="ctr"/>
               <a:r>
-                <a:rPr lang="en-US" altLang="zh-CN" sz="3200" i="1" dirty="0">
+                <a:rPr lang="en-US" altLang="zh-CN" sz="3200" i="1">
                   <a:solidFill>
                     <a:schemeClr val="tx1"/>
                   </a:solidFill>
                   <a:latin typeface="Times New Roman" panose="02020603050405020304" pitchFamily="18" charset="0"/>
                   <a:cs typeface="Times New Roman" panose="02020603050405020304" pitchFamily="18" charset="0"/>
                 </a:rPr>
-                <a:t>Passwd</a:t>
+                <a:t>type / role</a:t>
               </a:r>
+              <a:endParaRPr lang="en-US" altLang="zh-CN" sz="3200" i="1" u="sng" dirty="0">
+                <a:solidFill>
+                  <a:schemeClr val="tx1"/>
+                </a:solidFill>
+                <a:latin typeface="Times New Roman" panose="02020603050405020304" pitchFamily="18" charset="0"/>
+                <a:cs typeface="Times New Roman" panose="02020603050405020304" pitchFamily="18" charset="0"/>
+              </a:endParaRPr>
             </a:p>
             <a:p>
-              <a:pPr algn="ctr"/>
               <a:r>
-                <a:rPr lang="en-US" altLang="zh-CN" sz="3200" i="1" dirty="0">
+                <a:rPr lang="en-US" altLang="zh-CN" sz="3200" i="1">
                   <a:solidFill>
                     <a:schemeClr val="tx1"/>
                   </a:solidFill>
                   <a:latin typeface="Times New Roman" panose="02020603050405020304" pitchFamily="18" charset="0"/>
                   <a:cs typeface="Times New Roman" panose="02020603050405020304" pitchFamily="18" charset="0"/>
                 </a:rPr>
-                <a:t>type</a:t>
+                <a:t>email</a:t>
               </a:r>
+              <a:endParaRPr lang="en-US" altLang="zh-CN" sz="3200" i="1" dirty="0">
+                <a:solidFill>
+                  <a:schemeClr val="tx1"/>
+                </a:solidFill>
+                <a:latin typeface="Times New Roman" panose="02020603050405020304" pitchFamily="18" charset="0"/>
+                <a:cs typeface="Times New Roman" panose="02020603050405020304" pitchFamily="18" charset="0"/>
+              </a:endParaRPr>
+            </a:p>
+            <a:p>
+              <a:r>
+                <a:rPr lang="en-US" altLang="zh-CN" sz="3200" i="1">
+                  <a:solidFill>
+                    <a:schemeClr val="tx1"/>
+                  </a:solidFill>
+                  <a:latin typeface="Times New Roman" panose="02020603050405020304" pitchFamily="18" charset="0"/>
+                  <a:cs typeface="Times New Roman" panose="02020603050405020304" pitchFamily="18" charset="0"/>
+                </a:rPr>
+                <a:t>passwd</a:t>
+              </a:r>
+              <a:endParaRPr lang="en-US" altLang="zh-CN" sz="3200" i="1" dirty="0">
+                <a:solidFill>
+                  <a:schemeClr val="tx1"/>
+                </a:solidFill>
+                <a:latin typeface="Times New Roman" panose="02020603050405020304" pitchFamily="18" charset="0"/>
+                <a:cs typeface="Times New Roman" panose="02020603050405020304" pitchFamily="18" charset="0"/>
+              </a:endParaRPr>
             </a:p>
           </p:txBody>
         </p:sp>
       </p:grpSp>
+      <p:cxnSp>
+        <p:nvCxnSpPr>
+          <p:cNvPr id="43" name="直接连接符 42">
+            <a:extLst>
+              <a:ext uri="{FF2B5EF4-FFF2-40B4-BE49-F238E27FC236}">
+                <a16:creationId xmlns:a16="http://schemas.microsoft.com/office/drawing/2014/main" id="{D1B86FBB-B28C-4701-BE2E-B94A84D6CE90}"/>
+              </a:ext>
+            </a:extLst>
+          </p:cNvPr>
+          <p:cNvCxnSpPr>
+            <a:cxnSpLocks/>
+            <a:endCxn id="46" idx="3"/>
+          </p:cNvCxnSpPr>
+          <p:nvPr/>
+        </p:nvCxnSpPr>
+        <p:spPr>
+          <a:xfrm flipH="1">
+            <a:off x="3018562" y="1453578"/>
+            <a:ext cx="88590" cy="0"/>
+          </a:xfrm>
+          <a:prstGeom prst="line">
+            <a:avLst/>
+          </a:prstGeom>
+          <a:ln>
+            <a:solidFill>
+              <a:schemeClr val="tx1"/>
+            </a:solidFill>
+          </a:ln>
+        </p:spPr>
+        <p:style>
+          <a:lnRef idx="1">
+            <a:schemeClr val="accent1"/>
+          </a:lnRef>
+          <a:fillRef idx="0">
+            <a:schemeClr val="accent1"/>
+          </a:fillRef>
+          <a:effectRef idx="0">
+            <a:schemeClr val="accent1"/>
+          </a:effectRef>
+          <a:fontRef idx="minor">
+            <a:schemeClr val="tx1"/>
+          </a:fontRef>
+        </p:style>
+      </p:cxnSp>
+      <p:sp>
+        <p:nvSpPr>
+          <p:cNvPr id="44" name="等腰三角形 43">
+            <a:extLst>
+              <a:ext uri="{FF2B5EF4-FFF2-40B4-BE49-F238E27FC236}">
+                <a16:creationId xmlns:a16="http://schemas.microsoft.com/office/drawing/2014/main" id="{D9E0FB14-80C9-413A-B314-148E73F31AB4}"/>
+              </a:ext>
+            </a:extLst>
+          </p:cNvPr>
+          <p:cNvSpPr/>
+          <p:nvPr/>
+        </p:nvSpPr>
+        <p:spPr>
+          <a:xfrm rot="5400000">
+            <a:off x="9196064" y="1202249"/>
+            <a:ext cx="219372" cy="349266"/>
+          </a:xfrm>
+          <a:prstGeom prst="triangle">
+            <a:avLst/>
+          </a:prstGeom>
+          <a:solidFill>
+            <a:schemeClr val="tx1"/>
+          </a:solidFill>
+          <a:ln>
+            <a:solidFill>
+              <a:schemeClr val="tx1"/>
+            </a:solidFill>
+          </a:ln>
+        </p:spPr>
+        <p:style>
+          <a:lnRef idx="2">
+            <a:schemeClr val="accent1">
+              <a:shade val="50000"/>
+            </a:schemeClr>
+          </a:lnRef>
+          <a:fillRef idx="1">
+            <a:schemeClr val="accent1"/>
+          </a:fillRef>
+          <a:effectRef idx="0">
+            <a:schemeClr val="accent1"/>
+          </a:effectRef>
+          <a:fontRef idx="minor">
+            <a:schemeClr val="lt1"/>
+          </a:fontRef>
+        </p:style>
+        <p:txBody>
+          <a:bodyPr rtlCol="0" anchor="ctr"/>
+          <a:lstStyle/>
+          <a:p>
+            <a:pPr algn="ctr"/>
+            <a:endParaRPr lang="zh-CN" altLang="en-US"/>
+          </a:p>
+        </p:txBody>
+      </p:sp>
+      <p:sp>
+        <p:nvSpPr>
+          <p:cNvPr id="46" name="等腰三角形 45">
+            <a:extLst>
+              <a:ext uri="{FF2B5EF4-FFF2-40B4-BE49-F238E27FC236}">
+                <a16:creationId xmlns:a16="http://schemas.microsoft.com/office/drawing/2014/main" id="{9E9029B1-2E02-497D-9C4A-74F55E1ABA0B}"/>
+              </a:ext>
+            </a:extLst>
+          </p:cNvPr>
+          <p:cNvSpPr/>
+          <p:nvPr/>
+        </p:nvSpPr>
+        <p:spPr>
+          <a:xfrm rot="16200000">
+            <a:off x="2734243" y="1278945"/>
+            <a:ext cx="219372" cy="349266"/>
+          </a:xfrm>
+          <a:prstGeom prst="triangle">
+            <a:avLst/>
+          </a:prstGeom>
+          <a:solidFill>
+            <a:schemeClr val="tx1"/>
+          </a:solidFill>
+          <a:ln>
+            <a:solidFill>
+              <a:schemeClr val="tx1"/>
+            </a:solidFill>
+          </a:ln>
+        </p:spPr>
+        <p:style>
+          <a:lnRef idx="2">
+            <a:schemeClr val="accent1">
+              <a:shade val="50000"/>
+            </a:schemeClr>
+          </a:lnRef>
+          <a:fillRef idx="1">
+            <a:schemeClr val="accent1"/>
+          </a:fillRef>
+          <a:effectRef idx="0">
+            <a:schemeClr val="accent1"/>
+          </a:effectRef>
+          <a:fontRef idx="minor">
+            <a:schemeClr val="lt1"/>
+          </a:fontRef>
+        </p:style>
+        <p:txBody>
+          <a:bodyPr rtlCol="0" anchor="ctr"/>
+          <a:lstStyle/>
+          <a:p>
+            <a:pPr algn="ctr"/>
+            <a:endParaRPr lang="zh-CN" altLang="en-US"/>
+          </a:p>
+        </p:txBody>
+      </p:sp>
+      <p:cxnSp>
+        <p:nvCxnSpPr>
+          <p:cNvPr id="34" name="连接符: 肘形 33">
+            <a:extLst>
+              <a:ext uri="{FF2B5EF4-FFF2-40B4-BE49-F238E27FC236}">
+                <a16:creationId xmlns:a16="http://schemas.microsoft.com/office/drawing/2014/main" id="{66474041-8A13-4B78-A638-5F57F42EEBE6}"/>
+              </a:ext>
+            </a:extLst>
+          </p:cNvPr>
+          <p:cNvCxnSpPr>
+            <a:cxnSpLocks/>
+          </p:cNvCxnSpPr>
+          <p:nvPr/>
+        </p:nvCxnSpPr>
+        <p:spPr>
+          <a:xfrm rot="16200000" flipV="1">
+            <a:off x="2986749" y="1573982"/>
+            <a:ext cx="497687" cy="256878"/>
+          </a:xfrm>
+          <a:prstGeom prst="bentConnector3">
+            <a:avLst>
+              <a:gd name="adj1" fmla="val -2495"/>
+            </a:avLst>
+          </a:prstGeom>
+          <a:ln>
+            <a:solidFill>
+              <a:schemeClr val="tx1"/>
+            </a:solidFill>
+          </a:ln>
+        </p:spPr>
+        <p:style>
+          <a:lnRef idx="1">
+            <a:schemeClr val="accent1"/>
+          </a:lnRef>
+          <a:fillRef idx="0">
+            <a:schemeClr val="accent1"/>
+          </a:fillRef>
+          <a:effectRef idx="0">
+            <a:schemeClr val="accent1"/>
+          </a:effectRef>
+          <a:fontRef idx="minor">
+            <a:schemeClr val="tx1"/>
+          </a:fontRef>
+        </p:style>
+      </p:cxnSp>
       <p:grpSp>
         <p:nvGrpSpPr>
-          <p:cNvPr id="18" name="组合 17">
-            <a:extLst>
-              <a:ext uri="{FF2B5EF4-FFF2-40B4-BE49-F238E27FC236}">
-                <a16:creationId xmlns:a16="http://schemas.microsoft.com/office/drawing/2014/main" id="{0E5F9688-E5F7-45C5-BAC1-D6472FB8F7DD}"/>
+          <p:cNvPr id="22" name="组合 21">
+            <a:extLst>
+              <a:ext uri="{FF2B5EF4-FFF2-40B4-BE49-F238E27FC236}">
+                <a16:creationId xmlns:a16="http://schemas.microsoft.com/office/drawing/2014/main" id="{876D20C8-11C8-4992-B48E-9E3B31958EC4}"/>
               </a:ext>
             </a:extLst>
           </p:cNvPr>
@@ -4036,18 +4322,18 @@
         </p:nvGrpSpPr>
         <p:grpSpPr>
           <a:xfrm>
-            <a:off x="4445397" y="982331"/>
-            <a:ext cx="3520854" cy="1131559"/>
-            <a:chOff x="3518238" y="2040622"/>
-            <a:chExt cx="4197577" cy="1545996"/>
+            <a:off x="6955098" y="150855"/>
+            <a:ext cx="1762451" cy="2452053"/>
+            <a:chOff x="1807029" y="2277558"/>
+            <a:chExt cx="2764971" cy="2197411"/>
           </a:xfrm>
         </p:grpSpPr>
         <p:sp>
           <p:nvSpPr>
-            <p:cNvPr id="16" name="平行四边形 15">
+            <p:cNvPr id="23" name="矩形 22">
               <a:extLst>
                 <a:ext uri="{FF2B5EF4-FFF2-40B4-BE49-F238E27FC236}">
-                  <a16:creationId xmlns:a16="http://schemas.microsoft.com/office/drawing/2014/main" id="{E6005F8B-077D-4DA9-9E3D-EDF8C655F091}"/>
+                  <a16:creationId xmlns:a16="http://schemas.microsoft.com/office/drawing/2014/main" id="{E06F7355-192F-4346-955E-349ACD8B4813}"/>
                 </a:ext>
               </a:extLst>
             </p:cNvPr>
@@ -4055,14 +4341,12 @@
             <p:nvPr/>
           </p:nvSpPr>
           <p:spPr>
-            <a:xfrm rot="1003486">
-              <a:off x="3518238" y="2040622"/>
-              <a:ext cx="4197577" cy="1545996"/>
+            <a:xfrm>
+              <a:off x="1807029" y="2277558"/>
+              <a:ext cx="2764971" cy="748670"/>
             </a:xfrm>
-            <a:prstGeom prst="parallelogram">
-              <a:avLst>
-                <a:gd name="adj" fmla="val 138858"/>
-              </a:avLst>
+            <a:prstGeom prst="rect">
+              <a:avLst/>
             </a:prstGeom>
             <a:solidFill>
               <a:schemeClr val="accent5">
@@ -4097,47 +4381,111 @@
             <a:lstStyle/>
             <a:p>
               <a:pPr algn="ctr"/>
-              <a:endParaRPr lang="zh-CN" altLang="en-US" dirty="0"/>
+              <a:r>
+                <a:rPr lang="en-US" altLang="zh-CN" sz="3600" i="1">
+                  <a:solidFill>
+                    <a:schemeClr val="tx1"/>
+                  </a:solidFill>
+                  <a:latin typeface="Times New Roman" panose="02020603050405020304" pitchFamily="18" charset="0"/>
+                  <a:cs typeface="Times New Roman" panose="02020603050405020304" pitchFamily="18" charset="0"/>
+                </a:rPr>
+                <a:t>Own</a:t>
+              </a:r>
+              <a:endParaRPr lang="zh-CN" altLang="en-US" sz="3600" i="1" dirty="0">
+                <a:solidFill>
+                  <a:schemeClr val="tx1"/>
+                </a:solidFill>
+                <a:latin typeface="Times New Roman" panose="02020603050405020304" pitchFamily="18" charset="0"/>
+                <a:cs typeface="Times New Roman" panose="02020603050405020304" pitchFamily="18" charset="0"/>
+              </a:endParaRPr>
             </a:p>
           </p:txBody>
         </p:sp>
         <p:sp>
           <p:nvSpPr>
-            <p:cNvPr id="17" name="文本框 16">
+            <p:cNvPr id="24" name="矩形 23">
               <a:extLst>
                 <a:ext uri="{FF2B5EF4-FFF2-40B4-BE49-F238E27FC236}">
-                  <a16:creationId xmlns:a16="http://schemas.microsoft.com/office/drawing/2014/main" id="{080880D2-902E-4CF8-9272-C708ED4D2CDE}"/>
+                  <a16:creationId xmlns:a16="http://schemas.microsoft.com/office/drawing/2014/main" id="{77FC945A-97B9-4F5B-B67E-C871BF7223D5}"/>
                 </a:ext>
               </a:extLst>
             </p:cNvPr>
-            <p:cNvSpPr txBox="1"/>
+            <p:cNvSpPr/>
             <p:nvPr/>
           </p:nvSpPr>
           <p:spPr>
             <a:xfrm>
-              <a:off x="4938162" y="2320928"/>
-              <a:ext cx="1333280" cy="883052"/>
+              <a:off x="1807029" y="3026228"/>
+              <a:ext cx="2764971" cy="1448741"/>
             </a:xfrm>
             <a:prstGeom prst="rect">
               <a:avLst/>
             </a:prstGeom>
             <a:noFill/>
+            <a:ln>
+              <a:solidFill>
+                <a:srgbClr val="002060"/>
+              </a:solidFill>
+            </a:ln>
           </p:spPr>
+          <p:style>
+            <a:lnRef idx="2">
+              <a:schemeClr val="accent1">
+                <a:shade val="50000"/>
+              </a:schemeClr>
+            </a:lnRef>
+            <a:fillRef idx="1">
+              <a:schemeClr val="accent1"/>
+            </a:fillRef>
+            <a:effectRef idx="0">
+              <a:schemeClr val="accent1"/>
+            </a:effectRef>
+            <a:fontRef idx="minor">
+              <a:schemeClr val="lt1"/>
+            </a:fontRef>
+          </p:style>
           <p:txBody>
-            <a:bodyPr wrap="square" rtlCol="0">
-              <a:spAutoFit/>
-            </a:bodyPr>
+            <a:bodyPr rtlCol="0" anchor="ctr"/>
             <a:lstStyle/>
             <a:p>
-              <a:pPr algn="ctr"/>
               <a:r>
-                <a:rPr lang="en-US" altLang="zh-CN" sz="3600" i="1" dirty="0">
+                <a:rPr lang="en-US" altLang="zh-CN" sz="3200" i="1" u="sng">
+                  <a:solidFill>
+                    <a:schemeClr val="tx1"/>
+                  </a:solidFill>
                   <a:latin typeface="Times New Roman" panose="02020603050405020304" pitchFamily="18" charset="0"/>
                   <a:cs typeface="Times New Roman" panose="02020603050405020304" pitchFamily="18" charset="0"/>
                 </a:rPr>
-                <a:t>own</a:t>
+                <a:t>userID</a:t>
               </a:r>
-              <a:endParaRPr lang="zh-CN" altLang="en-US" sz="3600" i="1" dirty="0">
+            </a:p>
+            <a:p>
+              <a:r>
+                <a:rPr lang="en-US" altLang="zh-CN" sz="3200" b="1" i="1">
+                  <a:solidFill>
+                    <a:schemeClr val="tx1"/>
+                  </a:solidFill>
+                  <a:latin typeface="Times New Roman" panose="02020603050405020304" pitchFamily="18" charset="0"/>
+                  <a:cs typeface="Times New Roman" panose="02020603050405020304" pitchFamily="18" charset="0"/>
+                </a:rPr>
+                <a:t>wardID</a:t>
+              </a:r>
+            </a:p>
+            <a:p>
+              <a:r>
+                <a:rPr lang="en-US" altLang="zh-CN" sz="3200" b="1" i="1">
+                  <a:solidFill>
+                    <a:schemeClr val="tx1"/>
+                  </a:solidFill>
+                  <a:latin typeface="Times New Roman" panose="02020603050405020304" pitchFamily="18" charset="0"/>
+                  <a:cs typeface="Times New Roman" panose="02020603050405020304" pitchFamily="18" charset="0"/>
+                </a:rPr>
+                <a:t>bedID</a:t>
+              </a:r>
+              <a:endParaRPr lang="en-US" altLang="zh-CN" sz="3200" b="1" i="1" dirty="0">
+                <a:solidFill>
+                  <a:schemeClr val="tx1"/>
+                </a:solidFill>
                 <a:latin typeface="Times New Roman" panose="02020603050405020304" pitchFamily="18" charset="0"/>
                 <a:cs typeface="Times New Roman" panose="02020603050405020304" pitchFamily="18" charset="0"/>
               </a:endParaRPr>
@@ -4145,203 +4493,6 @@
           </p:txBody>
         </p:sp>
       </p:grpSp>
-      <p:cxnSp>
-        <p:nvCxnSpPr>
-          <p:cNvPr id="43" name="直接连接符 42">
-            <a:extLst>
-              <a:ext uri="{FF2B5EF4-FFF2-40B4-BE49-F238E27FC236}">
-                <a16:creationId xmlns:a16="http://schemas.microsoft.com/office/drawing/2014/main" id="{D1B86FBB-B28C-4701-BE2E-B94A84D6CE90}"/>
-              </a:ext>
-            </a:extLst>
-          </p:cNvPr>
-          <p:cNvCxnSpPr>
-            <a:cxnSpLocks/>
-            <a:endCxn id="46" idx="3"/>
-          </p:cNvCxnSpPr>
-          <p:nvPr/>
-        </p:nvCxnSpPr>
-        <p:spPr>
-          <a:xfrm flipH="1">
-            <a:off x="3323209" y="1571882"/>
-            <a:ext cx="1033840" cy="1"/>
-          </a:xfrm>
-          <a:prstGeom prst="line">
-            <a:avLst/>
-          </a:prstGeom>
-          <a:ln>
-            <a:solidFill>
-              <a:schemeClr val="tx1"/>
-            </a:solidFill>
-          </a:ln>
-        </p:spPr>
-        <p:style>
-          <a:lnRef idx="1">
-            <a:schemeClr val="accent1"/>
-          </a:lnRef>
-          <a:fillRef idx="0">
-            <a:schemeClr val="accent1"/>
-          </a:fillRef>
-          <a:effectRef idx="0">
-            <a:schemeClr val="accent1"/>
-          </a:effectRef>
-          <a:fontRef idx="minor">
-            <a:schemeClr val="tx1"/>
-          </a:fontRef>
-        </p:style>
-      </p:cxnSp>
-      <p:sp>
-        <p:nvSpPr>
-          <p:cNvPr id="44" name="等腰三角形 43">
-            <a:extLst>
-              <a:ext uri="{FF2B5EF4-FFF2-40B4-BE49-F238E27FC236}">
-                <a16:creationId xmlns:a16="http://schemas.microsoft.com/office/drawing/2014/main" id="{D9E0FB14-80C9-413A-B314-148E73F31AB4}"/>
-              </a:ext>
-            </a:extLst>
-          </p:cNvPr>
-          <p:cNvSpPr/>
-          <p:nvPr/>
-        </p:nvSpPr>
-        <p:spPr>
-          <a:xfrm rot="5400000">
-            <a:off x="8921635" y="1334069"/>
-            <a:ext cx="219372" cy="349266"/>
-          </a:xfrm>
-          <a:prstGeom prst="triangle">
-            <a:avLst/>
-          </a:prstGeom>
-          <a:solidFill>
-            <a:schemeClr val="tx1"/>
-          </a:solidFill>
-          <a:ln>
-            <a:solidFill>
-              <a:schemeClr val="tx1"/>
-            </a:solidFill>
-          </a:ln>
-        </p:spPr>
-        <p:style>
-          <a:lnRef idx="2">
-            <a:schemeClr val="accent1">
-              <a:shade val="50000"/>
-            </a:schemeClr>
-          </a:lnRef>
-          <a:fillRef idx="1">
-            <a:schemeClr val="accent1"/>
-          </a:fillRef>
-          <a:effectRef idx="0">
-            <a:schemeClr val="accent1"/>
-          </a:effectRef>
-          <a:fontRef idx="minor">
-            <a:schemeClr val="lt1"/>
-          </a:fontRef>
-        </p:style>
-        <p:txBody>
-          <a:bodyPr rtlCol="0" anchor="ctr"/>
-          <a:lstStyle/>
-          <a:p>
-            <a:pPr algn="ctr"/>
-            <a:endParaRPr lang="zh-CN" altLang="en-US"/>
-          </a:p>
-        </p:txBody>
-      </p:sp>
-      <p:sp>
-        <p:nvSpPr>
-          <p:cNvPr id="46" name="等腰三角形 45">
-            <a:extLst>
-              <a:ext uri="{FF2B5EF4-FFF2-40B4-BE49-F238E27FC236}">
-                <a16:creationId xmlns:a16="http://schemas.microsoft.com/office/drawing/2014/main" id="{9E9029B1-2E02-497D-9C4A-74F55E1ABA0B}"/>
-              </a:ext>
-            </a:extLst>
-          </p:cNvPr>
-          <p:cNvSpPr/>
-          <p:nvPr/>
-        </p:nvSpPr>
-        <p:spPr>
-          <a:xfrm rot="16200000">
-            <a:off x="3038890" y="1397250"/>
-            <a:ext cx="219372" cy="349266"/>
-          </a:xfrm>
-          <a:prstGeom prst="triangle">
-            <a:avLst/>
-          </a:prstGeom>
-          <a:solidFill>
-            <a:schemeClr val="tx1"/>
-          </a:solidFill>
-          <a:ln>
-            <a:solidFill>
-              <a:schemeClr val="tx1"/>
-            </a:solidFill>
-          </a:ln>
-        </p:spPr>
-        <p:style>
-          <a:lnRef idx="2">
-            <a:schemeClr val="accent1">
-              <a:shade val="50000"/>
-            </a:schemeClr>
-          </a:lnRef>
-          <a:fillRef idx="1">
-            <a:schemeClr val="accent1"/>
-          </a:fillRef>
-          <a:effectRef idx="0">
-            <a:schemeClr val="accent1"/>
-          </a:effectRef>
-          <a:fontRef idx="minor">
-            <a:schemeClr val="lt1"/>
-          </a:fontRef>
-        </p:style>
-        <p:txBody>
-          <a:bodyPr rtlCol="0" anchor="ctr"/>
-          <a:lstStyle/>
-          <a:p>
-            <a:pPr algn="ctr"/>
-            <a:endParaRPr lang="zh-CN" altLang="en-US"/>
-          </a:p>
-        </p:txBody>
-      </p:sp>
-      <p:cxnSp>
-        <p:nvCxnSpPr>
-          <p:cNvPr id="34" name="连接符: 肘形 33">
-            <a:extLst>
-              <a:ext uri="{FF2B5EF4-FFF2-40B4-BE49-F238E27FC236}">
-                <a16:creationId xmlns:a16="http://schemas.microsoft.com/office/drawing/2014/main" id="{66474041-8A13-4B78-A638-5F57F42EEBE6}"/>
-              </a:ext>
-            </a:extLst>
-          </p:cNvPr>
-          <p:cNvCxnSpPr>
-            <a:cxnSpLocks/>
-          </p:cNvCxnSpPr>
-          <p:nvPr/>
-        </p:nvCxnSpPr>
-        <p:spPr>
-          <a:xfrm rot="16200000" flipV="1">
-            <a:off x="2790882" y="2460682"/>
-            <a:ext cx="2811432" cy="1033832"/>
-          </a:xfrm>
-          <a:prstGeom prst="bentConnector3">
-            <a:avLst>
-              <a:gd name="adj1" fmla="val -77"/>
-            </a:avLst>
-          </a:prstGeom>
-          <a:ln>
-            <a:solidFill>
-              <a:schemeClr val="tx1"/>
-            </a:solidFill>
-          </a:ln>
-        </p:spPr>
-        <p:style>
-          <a:lnRef idx="1">
-            <a:schemeClr val="accent1"/>
-          </a:lnRef>
-          <a:fillRef idx="0">
-            <a:schemeClr val="accent1"/>
-          </a:fillRef>
-          <a:effectRef idx="0">
-            <a:schemeClr val="accent1"/>
-          </a:effectRef>
-          <a:fontRef idx="minor">
-            <a:schemeClr val="tx1"/>
-          </a:fontRef>
-        </p:style>
-      </p:cxnSp>
     </p:spTree>
     <p:extLst>
       <p:ext uri="{BB962C8B-B14F-4D97-AF65-F5344CB8AC3E}">
@@ -4406,6 +4557,36 @@
     <p:extLst>
       <p:ext uri="{BB962C8B-B14F-4D97-AF65-F5344CB8AC3E}">
         <p14:creationId xmlns:p14="http://schemas.microsoft.com/office/powerpoint/2010/main" val="1346205493"/>
+      </p:ext>
+    </p:extLst>
+  </p:cSld>
+  <p:clrMapOvr>
+    <a:masterClrMapping/>
+  </p:clrMapOvr>
+</p:sld>
+</file>
+
+<file path=ppt/slides/slide3.xml><?xml version="1.0" encoding="utf-8"?>
+<p:sld xmlns:a="http://schemas.openxmlformats.org/drawingml/2006/main" xmlns:r="http://schemas.openxmlformats.org/officeDocument/2006/relationships" xmlns:p="http://schemas.openxmlformats.org/presentationml/2006/main">
+  <p:cSld>
+    <p:spTree>
+      <p:nvGrpSpPr>
+        <p:cNvPr id="1" name=""/>
+        <p:cNvGrpSpPr/>
+        <p:nvPr/>
+      </p:nvGrpSpPr>
+      <p:grpSpPr>
+        <a:xfrm>
+          <a:off x="0" y="0"/>
+          <a:ext cx="0" cy="0"/>
+          <a:chOff x="0" y="0"/>
+          <a:chExt cx="0" cy="0"/>
+        </a:xfrm>
+      </p:grpSpPr>
+    </p:spTree>
+    <p:extLst>
+      <p:ext uri="{BB962C8B-B14F-4D97-AF65-F5344CB8AC3E}">
+        <p14:creationId xmlns:p14="http://schemas.microsoft.com/office/powerpoint/2010/main" val="2172571058"/>
       </p:ext>
     </p:extLst>
   </p:cSld>

--- a/report/assets/er.pptx
+++ b/report/assets/er.pptx
@@ -261,7 +261,7 @@
           <a:p>
             <a:fld id="{DA356BEE-AE16-4038-BC20-B71D18C6B4A6}" type="datetimeFigureOut">
               <a:rPr lang="zh-CN" altLang="en-US" smtClean="0"/>
-              <a:t>2021/06/26</a:t>
+              <a:t>2021/06/29</a:t>
             </a:fld>
             <a:endParaRPr lang="zh-CN" altLang="en-US"/>
           </a:p>
@@ -459,7 +459,7 @@
           <a:p>
             <a:fld id="{DA356BEE-AE16-4038-BC20-B71D18C6B4A6}" type="datetimeFigureOut">
               <a:rPr lang="zh-CN" altLang="en-US" smtClean="0"/>
-              <a:t>2021/06/26</a:t>
+              <a:t>2021/06/29</a:t>
             </a:fld>
             <a:endParaRPr lang="zh-CN" altLang="en-US"/>
           </a:p>
@@ -667,7 +667,7 @@
           <a:p>
             <a:fld id="{DA356BEE-AE16-4038-BC20-B71D18C6B4A6}" type="datetimeFigureOut">
               <a:rPr lang="zh-CN" altLang="en-US" smtClean="0"/>
-              <a:t>2021/06/26</a:t>
+              <a:t>2021/06/29</a:t>
             </a:fld>
             <a:endParaRPr lang="zh-CN" altLang="en-US"/>
           </a:p>
@@ -865,7 +865,7 @@
           <a:p>
             <a:fld id="{DA356BEE-AE16-4038-BC20-B71D18C6B4A6}" type="datetimeFigureOut">
               <a:rPr lang="zh-CN" altLang="en-US" smtClean="0"/>
-              <a:t>2021/06/26</a:t>
+              <a:t>2021/06/29</a:t>
             </a:fld>
             <a:endParaRPr lang="zh-CN" altLang="en-US"/>
           </a:p>
@@ -1140,7 +1140,7 @@
           <a:p>
             <a:fld id="{DA356BEE-AE16-4038-BC20-B71D18C6B4A6}" type="datetimeFigureOut">
               <a:rPr lang="zh-CN" altLang="en-US" smtClean="0"/>
-              <a:t>2021/06/26</a:t>
+              <a:t>2021/06/29</a:t>
             </a:fld>
             <a:endParaRPr lang="zh-CN" altLang="en-US"/>
           </a:p>
@@ -1405,7 +1405,7 @@
           <a:p>
             <a:fld id="{DA356BEE-AE16-4038-BC20-B71D18C6B4A6}" type="datetimeFigureOut">
               <a:rPr lang="zh-CN" altLang="en-US" smtClean="0"/>
-              <a:t>2021/06/26</a:t>
+              <a:t>2021/06/29</a:t>
             </a:fld>
             <a:endParaRPr lang="zh-CN" altLang="en-US"/>
           </a:p>
@@ -1817,7 +1817,7 @@
           <a:p>
             <a:fld id="{DA356BEE-AE16-4038-BC20-B71D18C6B4A6}" type="datetimeFigureOut">
               <a:rPr lang="zh-CN" altLang="en-US" smtClean="0"/>
-              <a:t>2021/06/26</a:t>
+              <a:t>2021/06/29</a:t>
             </a:fld>
             <a:endParaRPr lang="zh-CN" altLang="en-US"/>
           </a:p>
@@ -1958,7 +1958,7 @@
           <a:p>
             <a:fld id="{DA356BEE-AE16-4038-BC20-B71D18C6B4A6}" type="datetimeFigureOut">
               <a:rPr lang="zh-CN" altLang="en-US" smtClean="0"/>
-              <a:t>2021/06/26</a:t>
+              <a:t>2021/06/29</a:t>
             </a:fld>
             <a:endParaRPr lang="zh-CN" altLang="en-US"/>
           </a:p>
@@ -2071,7 +2071,7 @@
           <a:p>
             <a:fld id="{DA356BEE-AE16-4038-BC20-B71D18C6B4A6}" type="datetimeFigureOut">
               <a:rPr lang="zh-CN" altLang="en-US" smtClean="0"/>
-              <a:t>2021/06/26</a:t>
+              <a:t>2021/06/29</a:t>
             </a:fld>
             <a:endParaRPr lang="zh-CN" altLang="en-US"/>
           </a:p>
@@ -2382,7 +2382,7 @@
           <a:p>
             <a:fld id="{DA356BEE-AE16-4038-BC20-B71D18C6B4A6}" type="datetimeFigureOut">
               <a:rPr lang="zh-CN" altLang="en-US" smtClean="0"/>
-              <a:t>2021/06/26</a:t>
+              <a:t>2021/06/29</a:t>
             </a:fld>
             <a:endParaRPr lang="zh-CN" altLang="en-US"/>
           </a:p>
@@ -2670,7 +2670,7 @@
           <a:p>
             <a:fld id="{DA356BEE-AE16-4038-BC20-B71D18C6B4A6}" type="datetimeFigureOut">
               <a:rPr lang="zh-CN" altLang="en-US" smtClean="0"/>
-              <a:t>2021/06/26</a:t>
+              <a:t>2021/06/29</a:t>
             </a:fld>
             <a:endParaRPr lang="zh-CN" altLang="en-US"/>
           </a:p>
@@ -2911,7 +2911,7 @@
           <a:p>
             <a:fld id="{DA356BEE-AE16-4038-BC20-B71D18C6B4A6}" type="datetimeFigureOut">
               <a:rPr lang="zh-CN" altLang="en-US" smtClean="0"/>
-              <a:t>2021/06/26</a:t>
+              <a:t>2021/06/29</a:t>
             </a:fld>
             <a:endParaRPr lang="zh-CN" altLang="en-US"/>
           </a:p>
@@ -3328,50 +3328,6 @@
           <a:chExt cx="0" cy="0"/>
         </a:xfrm>
       </p:grpSpPr>
-      <p:cxnSp>
-        <p:nvCxnSpPr>
-          <p:cNvPr id="37" name="直接连接符 36">
-            <a:extLst>
-              <a:ext uri="{FF2B5EF4-FFF2-40B4-BE49-F238E27FC236}">
-                <a16:creationId xmlns:a16="http://schemas.microsoft.com/office/drawing/2014/main" id="{024FD65F-BC60-4752-8370-C50F14DADF69}"/>
-              </a:ext>
-            </a:extLst>
-          </p:cNvPr>
-          <p:cNvCxnSpPr>
-            <a:cxnSpLocks/>
-            <a:stCxn id="44" idx="3"/>
-          </p:cNvCxnSpPr>
-          <p:nvPr/>
-        </p:nvCxnSpPr>
-        <p:spPr>
-          <a:xfrm flipH="1">
-            <a:off x="8717549" y="1376882"/>
-            <a:ext cx="413568" cy="0"/>
-          </a:xfrm>
-          <a:prstGeom prst="line">
-            <a:avLst/>
-          </a:prstGeom>
-          <a:ln>
-            <a:solidFill>
-              <a:schemeClr val="tx1"/>
-            </a:solidFill>
-          </a:ln>
-        </p:spPr>
-        <p:style>
-          <a:lnRef idx="1">
-            <a:schemeClr val="accent1"/>
-          </a:lnRef>
-          <a:fillRef idx="0">
-            <a:schemeClr val="accent1"/>
-          </a:fillRef>
-          <a:effectRef idx="0">
-            <a:schemeClr val="accent1"/>
-          </a:effectRef>
-          <a:fontRef idx="minor">
-            <a:schemeClr val="tx1"/>
-          </a:fontRef>
-        </p:style>
-      </p:cxnSp>
       <p:grpSp>
         <p:nvGrpSpPr>
           <p:cNvPr id="6" name="组合 5">
@@ -3386,7 +3342,7 @@
         </p:nvGrpSpPr>
         <p:grpSpPr>
           <a:xfrm>
-            <a:off x="3364032" y="146903"/>
+            <a:off x="3946537" y="173553"/>
             <a:ext cx="2431343" cy="4558447"/>
             <a:chOff x="1807029" y="2198914"/>
             <a:chExt cx="2764971" cy="4558447"/>
@@ -3520,9 +3476,9 @@
                   <a:latin typeface="Times New Roman" panose="02020603050405020304" pitchFamily="18" charset="0"/>
                   <a:cs typeface="Times New Roman" panose="02020603050405020304" pitchFamily="18" charset="0"/>
                 </a:rPr>
-                <a:t>_ID</a:t>
+                <a:t>id</a:t>
               </a:r>
-              <a:endParaRPr lang="en-US" altLang="zh-CN" sz="3200" i="1" u="sng" dirty="0">
+              <a:endParaRPr lang="en-US" altLang="zh-CN" sz="3200" i="1" dirty="0">
                 <a:solidFill>
                   <a:schemeClr val="tx1"/>
                 </a:solidFill>
@@ -3532,19 +3488,7 @@
             </a:p>
             <a:p>
               <a:r>
-                <a:rPr lang="en-US" altLang="zh-CN" sz="3200" i="1" dirty="0">
-                  <a:solidFill>
-                    <a:schemeClr val="tx1"/>
-                  </a:solidFill>
-                  <a:latin typeface="Times New Roman" panose="02020603050405020304" pitchFamily="18" charset="0"/>
-                  <a:cs typeface="Times New Roman" panose="02020603050405020304" pitchFamily="18" charset="0"/>
-                </a:rPr>
-                <a:t>facID</a:t>
-              </a:r>
-            </a:p>
-            <a:p>
-              <a:r>
-                <a:rPr lang="en-US" altLang="zh-CN" sz="3200" i="1" dirty="0">
+                <a:rPr lang="en-US" altLang="zh-CN" sz="3200" i="1">
                   <a:solidFill>
                     <a:schemeClr val="tx1"/>
                   </a:solidFill>
@@ -3556,7 +3500,39 @@
             </a:p>
             <a:p>
               <a:r>
+                <a:rPr lang="en-US" altLang="zh-CN" sz="3200" i="1">
+                  <a:solidFill>
+                    <a:schemeClr val="tx1"/>
+                  </a:solidFill>
+                  <a:latin typeface="Times New Roman" panose="02020603050405020304" pitchFamily="18" charset="0"/>
+                  <a:cs typeface="Times New Roman" panose="02020603050405020304" pitchFamily="18" charset="0"/>
+                </a:rPr>
+                <a:t>location</a:t>
+              </a:r>
+              <a:r>
                 <a:rPr lang="en-US" altLang="zh-CN" sz="3200" b="1" i="1">
+                  <a:solidFill>
+                    <a:schemeClr val="tx1"/>
+                  </a:solidFill>
+                  <a:latin typeface="Times New Roman" panose="02020603050405020304" pitchFamily="18" charset="0"/>
+                  <a:cs typeface="Times New Roman" panose="02020603050405020304" pitchFamily="18" charset="0"/>
+                </a:rPr>
+                <a:t>_</a:t>
+              </a:r>
+              <a:r>
+                <a:rPr lang="en-US" altLang="zh-CN" sz="3200" i="1">
+                  <a:solidFill>
+                    <a:schemeClr val="tx1"/>
+                  </a:solidFill>
+                  <a:latin typeface="Times New Roman" panose="02020603050405020304" pitchFamily="18" charset="0"/>
+                  <a:cs typeface="Times New Roman" panose="02020603050405020304" pitchFamily="18" charset="0"/>
+                </a:rPr>
+                <a:t>lng</a:t>
+              </a:r>
+            </a:p>
+            <a:p>
+              <a:r>
+                <a:rPr lang="en-US" altLang="zh-CN" sz="3200" i="1">
                   <a:solidFill>
                     <a:schemeClr val="tx1"/>
                   </a:solidFill>
@@ -3568,35 +3544,6 @@
             </a:p>
             <a:p>
               <a:r>
-                <a:rPr lang="en-US" altLang="zh-CN" sz="3200" b="1" i="1">
-                  <a:solidFill>
-                    <a:schemeClr val="tx1"/>
-                  </a:solidFill>
-                  <a:latin typeface="Times New Roman" panose="02020603050405020304" pitchFamily="18" charset="0"/>
-                  <a:cs typeface="Times New Roman" panose="02020603050405020304" pitchFamily="18" charset="0"/>
-                </a:rPr>
-                <a:t>location_lng</a:t>
-              </a:r>
-              <a:endParaRPr lang="en-US" altLang="zh-CN" sz="3200" b="1" i="1" dirty="0">
-                <a:solidFill>
-                  <a:schemeClr val="tx1"/>
-                </a:solidFill>
-                <a:latin typeface="Times New Roman" panose="02020603050405020304" pitchFamily="18" charset="0"/>
-                <a:cs typeface="Times New Roman" panose="02020603050405020304" pitchFamily="18" charset="0"/>
-              </a:endParaRPr>
-            </a:p>
-            <a:p>
-              <a:r>
-                <a:rPr lang="en-US" altLang="zh-CN" sz="3200" i="1" dirty="0">
-                  <a:solidFill>
-                    <a:schemeClr val="tx1"/>
-                  </a:solidFill>
-                  <a:latin typeface="Times New Roman" panose="02020603050405020304" pitchFamily="18" charset="0"/>
-                  <a:cs typeface="Times New Roman" panose="02020603050405020304" pitchFamily="18" charset="0"/>
-                </a:rPr>
-                <a:t>t</a:t>
-              </a:r>
-              <a:r>
                 <a:rPr lang="en-US" altLang="zh-CN" sz="3200" i="1">
                   <a:solidFill>
                     <a:schemeClr val="tx1"/>
@@ -3604,7 +3551,7 @@
                   <a:latin typeface="Times New Roman" panose="02020603050405020304" pitchFamily="18" charset="0"/>
                   <a:cs typeface="Times New Roman" panose="02020603050405020304" pitchFamily="18" charset="0"/>
                 </a:rPr>
-                <a:t>ype</a:t>
+                <a:t>type</a:t>
               </a:r>
               <a:endParaRPr lang="en-US" altLang="zh-CN" sz="3200" i="1" dirty="0">
                 <a:solidFill>
@@ -3616,7 +3563,7 @@
             </a:p>
             <a:p>
               <a:r>
-                <a:rPr lang="en-US" altLang="zh-CN" sz="3200" i="1" dirty="0">
+                <a:rPr lang="en-US" altLang="zh-CN" sz="3200" i="1">
                   <a:solidFill>
                     <a:schemeClr val="tx1"/>
                   </a:solidFill>
@@ -3624,6 +3571,18 @@
                   <a:cs typeface="Times New Roman" panose="02020603050405020304" pitchFamily="18" charset="0"/>
                 </a:rPr>
                 <a:t>amount</a:t>
+              </a:r>
+            </a:p>
+            <a:p>
+              <a:r>
+                <a:rPr lang="en-US" altLang="zh-CN" sz="3200" i="1">
+                  <a:solidFill>
+                    <a:schemeClr val="tx1"/>
+                  </a:solidFill>
+                  <a:latin typeface="Times New Roman" panose="02020603050405020304" pitchFamily="18" charset="0"/>
+                  <a:cs typeface="Times New Roman" panose="02020603050405020304" pitchFamily="18" charset="0"/>
+                </a:rPr>
+                <a:t>facID</a:t>
               </a:r>
               <a:endParaRPr lang="zh-CN" altLang="en-US" sz="3200" i="1" dirty="0">
                 <a:solidFill>
@@ -3650,7 +3609,7 @@
         </p:nvGrpSpPr>
         <p:grpSpPr>
           <a:xfrm>
-            <a:off x="309470" y="146903"/>
+            <a:off x="891975" y="173553"/>
             <a:ext cx="1739976" cy="5143553"/>
             <a:chOff x="1807029" y="2198914"/>
             <a:chExt cx="2083328" cy="5143553"/>
@@ -3777,15 +3736,22 @@
             <a:lstStyle/>
             <a:p>
               <a:r>
-                <a:rPr lang="en-US" altLang="zh-CN" sz="3200" i="1" u="sng" dirty="0">
+                <a:rPr lang="en-US" altLang="zh-CN" sz="3200" i="1" u="sng">
                   <a:solidFill>
                     <a:schemeClr val="tx1"/>
                   </a:solidFill>
                   <a:latin typeface="Times New Roman" panose="02020603050405020304" pitchFamily="18" charset="0"/>
                   <a:cs typeface="Times New Roman" panose="02020603050405020304" pitchFamily="18" charset="0"/>
                 </a:rPr>
-                <a:t>facID</a:t>
+                <a:t>id</a:t>
               </a:r>
+              <a:endParaRPr lang="en-US" altLang="zh-CN" sz="3200" i="1" u="sng" dirty="0">
+                <a:solidFill>
+                  <a:schemeClr val="tx1"/>
+                </a:solidFill>
+                <a:latin typeface="Times New Roman" panose="02020603050405020304" pitchFamily="18" charset="0"/>
+                <a:cs typeface="Times New Roman" panose="02020603050405020304" pitchFamily="18" charset="0"/>
+              </a:endParaRPr>
             </a:p>
             <a:p>
               <a:r>
@@ -3856,7 +3822,7 @@
             </a:p>
             <a:p>
               <a:r>
-                <a:rPr lang="en-US" altLang="zh-CN" sz="3200" b="1" i="1">
+                <a:rPr lang="en-US" altLang="zh-CN" sz="3200" i="1">
                   <a:solidFill>
                     <a:schemeClr val="tx1"/>
                   </a:solidFill>
@@ -3868,7 +3834,7 @@
             </a:p>
             <a:p>
               <a:r>
-                <a:rPr lang="en-US" altLang="zh-CN" sz="3200" b="1" i="1">
+                <a:rPr lang="en-US" altLang="zh-CN" sz="3200" i="1">
                   <a:solidFill>
                     <a:schemeClr val="tx1"/>
                   </a:solidFill>
@@ -3877,7 +3843,7 @@
                 </a:rPr>
                 <a:t>bedID</a:t>
               </a:r>
-              <a:endParaRPr lang="en-US" altLang="zh-CN" sz="3200" b="1" i="1" dirty="0">
+              <a:endParaRPr lang="en-US" altLang="zh-CN" sz="3200" i="1" dirty="0">
                 <a:solidFill>
                   <a:schemeClr val="tx1"/>
                 </a:solidFill>
@@ -4036,7 +4002,7 @@
                   <a:latin typeface="Times New Roman" panose="02020603050405020304" pitchFamily="18" charset="0"/>
                   <a:cs typeface="Times New Roman" panose="02020603050405020304" pitchFamily="18" charset="0"/>
                 </a:rPr>
-                <a:t>userID</a:t>
+                <a:t>id</a:t>
               </a:r>
             </a:p>
             <a:p>
@@ -4049,18 +4015,6 @@
                   <a:cs typeface="Times New Roman" panose="02020603050405020304" pitchFamily="18" charset="0"/>
                 </a:rPr>
                 <a:t>name</a:t>
-              </a:r>
-            </a:p>
-            <a:p>
-              <a:r>
-                <a:rPr lang="en-US" altLang="zh-CN" sz="3200" i="1">
-                  <a:solidFill>
-                    <a:schemeClr val="tx1"/>
-                  </a:solidFill>
-                  <a:latin typeface="Times New Roman" panose="02020603050405020304" pitchFamily="18" charset="0"/>
-                  <a:cs typeface="Times New Roman" panose="02020603050405020304" pitchFamily="18" charset="0"/>
-                </a:rPr>
-                <a:t>type / role</a:t>
               </a:r>
               <a:endParaRPr lang="en-US" altLang="zh-CN" sz="3200" i="1" u="sng" dirty="0">
                 <a:solidFill>
@@ -4100,6 +4054,18 @@
                 </a:rPr>
                 <a:t>passwd</a:t>
               </a:r>
+            </a:p>
+            <a:p>
+              <a:r>
+                <a:rPr lang="en-US" altLang="zh-CN" sz="3200" i="1">
+                  <a:solidFill>
+                    <a:schemeClr val="tx1"/>
+                  </a:solidFill>
+                  <a:latin typeface="Times New Roman" panose="02020603050405020304" pitchFamily="18" charset="0"/>
+                  <a:cs typeface="Times New Roman" panose="02020603050405020304" pitchFamily="18" charset="0"/>
+                </a:rPr>
+                <a:t>role</a:t>
+              </a:r>
               <a:endParaRPr lang="en-US" altLang="zh-CN" sz="3200" i="1" dirty="0">
                 <a:solidFill>
                   <a:schemeClr val="tx1"/>
@@ -4128,7 +4094,7 @@
         </p:nvCxnSpPr>
         <p:spPr>
           <a:xfrm flipH="1">
-            <a:off x="3018562" y="1453578"/>
+            <a:off x="3096501" y="1513218"/>
             <a:ext cx="88590" cy="0"/>
           </a:xfrm>
           <a:prstGeom prst="line">
@@ -4169,7 +4135,7 @@
         </p:nvSpPr>
         <p:spPr>
           <a:xfrm rot="5400000">
-            <a:off x="9196064" y="1202249"/>
+            <a:off x="9609633" y="1202247"/>
             <a:ext cx="219372" cy="349266"/>
           </a:xfrm>
           <a:prstGeom prst="triangle">
@@ -4223,7 +4189,7 @@
         </p:nvSpPr>
         <p:spPr>
           <a:xfrm rot="16200000">
-            <a:off x="2734243" y="1278945"/>
+            <a:off x="2812182" y="1338585"/>
             <a:ext cx="219372" cy="349266"/>
           </a:xfrm>
           <a:prstGeom prst="triangle">
@@ -4279,12 +4245,12 @@
         </p:nvCxnSpPr>
         <p:spPr>
           <a:xfrm rot="16200000" flipV="1">
-            <a:off x="2986749" y="1573982"/>
-            <a:ext cx="497687" cy="256878"/>
+            <a:off x="2174804" y="2522115"/>
+            <a:ext cx="2780634" cy="762837"/>
           </a:xfrm>
           <a:prstGeom prst="bentConnector3">
             <a:avLst>
-              <a:gd name="adj1" fmla="val -2495"/>
+              <a:gd name="adj1" fmla="val -110"/>
             </a:avLst>
           </a:prstGeom>
           <a:ln>
@@ -4323,9 +4289,9 @@
         <p:grpSpPr>
           <a:xfrm>
             <a:off x="6955098" y="150855"/>
-            <a:ext cx="1762451" cy="2452053"/>
+            <a:ext cx="1762451" cy="3058761"/>
             <a:chOff x="1807029" y="2277558"/>
-            <a:chExt cx="2764971" cy="2197411"/>
+            <a:chExt cx="2764971" cy="2741114"/>
           </a:xfrm>
         </p:grpSpPr>
         <p:sp>
@@ -4416,7 +4382,7 @@
           <p:spPr>
             <a:xfrm>
               <a:off x="1807029" y="3026228"/>
-              <a:ext cx="2764971" cy="1448741"/>
+              <a:ext cx="2764971" cy="1992444"/>
             </a:xfrm>
             <a:prstGeom prst="rect">
               <a:avLst/>
@@ -4449,7 +4415,19 @@
             <a:lstStyle/>
             <a:p>
               <a:r>
-                <a:rPr lang="en-US" altLang="zh-CN" sz="3200" i="1" u="sng">
+                <a:rPr lang="en-US" altLang="zh-CN" sz="3200" i="1">
+                  <a:solidFill>
+                    <a:schemeClr val="tx1"/>
+                  </a:solidFill>
+                  <a:latin typeface="Times New Roman" panose="02020603050405020304" pitchFamily="18" charset="0"/>
+                  <a:cs typeface="Times New Roman" panose="02020603050405020304" pitchFamily="18" charset="0"/>
+                </a:rPr>
+                <a:t>id</a:t>
+              </a:r>
+            </a:p>
+            <a:p>
+              <a:r>
+                <a:rPr lang="en-US" altLang="zh-CN" sz="3200" i="1">
                   <a:solidFill>
                     <a:schemeClr val="tx1"/>
                   </a:solidFill>
@@ -4461,7 +4439,7 @@
             </a:p>
             <a:p>
               <a:r>
-                <a:rPr lang="en-US" altLang="zh-CN" sz="3200" b="1" i="1">
+                <a:rPr lang="en-US" altLang="zh-CN" sz="3200" i="1">
                   <a:solidFill>
                     <a:schemeClr val="tx1"/>
                   </a:solidFill>
@@ -4473,7 +4451,7 @@
             </a:p>
             <a:p>
               <a:r>
-                <a:rPr lang="en-US" altLang="zh-CN" sz="3200" b="1" i="1">
+                <a:rPr lang="en-US" altLang="zh-CN" sz="3200" i="1">
                   <a:solidFill>
                     <a:schemeClr val="tx1"/>
                   </a:solidFill>
@@ -4482,7 +4460,7 @@
                 </a:rPr>
                 <a:t>bedID</a:t>
               </a:r>
-              <a:endParaRPr lang="en-US" altLang="zh-CN" sz="3200" b="1" i="1" dirty="0">
+              <a:endParaRPr lang="en-US" altLang="zh-CN" sz="3200" i="1" dirty="0">
                 <a:solidFill>
                   <a:schemeClr val="tx1"/>
                 </a:solidFill>
@@ -4493,6 +4471,52 @@
           </p:txBody>
         </p:sp>
       </p:grpSp>
+      <p:cxnSp>
+        <p:nvCxnSpPr>
+          <p:cNvPr id="27" name="连接符: 肘形 26">
+            <a:extLst>
+              <a:ext uri="{FF2B5EF4-FFF2-40B4-BE49-F238E27FC236}">
+                <a16:creationId xmlns:a16="http://schemas.microsoft.com/office/drawing/2014/main" id="{420FC543-BF39-4DDD-820A-BECBA97BFAD2}"/>
+              </a:ext>
+            </a:extLst>
+          </p:cNvPr>
+          <p:cNvCxnSpPr>
+            <a:cxnSpLocks/>
+            <a:stCxn id="44" idx="3"/>
+          </p:cNvCxnSpPr>
+          <p:nvPr/>
+        </p:nvCxnSpPr>
+        <p:spPr>
+          <a:xfrm rot="10800000" flipV="1">
+            <a:off x="8717550" y="1376880"/>
+            <a:ext cx="827137" cy="394548"/>
+          </a:xfrm>
+          <a:prstGeom prst="bentConnector3">
+            <a:avLst>
+              <a:gd name="adj1" fmla="val 50000"/>
+            </a:avLst>
+          </a:prstGeom>
+          <a:ln>
+            <a:solidFill>
+              <a:schemeClr val="tx1"/>
+            </a:solidFill>
+          </a:ln>
+        </p:spPr>
+        <p:style>
+          <a:lnRef idx="1">
+            <a:schemeClr val="accent1"/>
+          </a:lnRef>
+          <a:fillRef idx="0">
+            <a:schemeClr val="accent1"/>
+          </a:fillRef>
+          <a:effectRef idx="0">
+            <a:schemeClr val="accent1"/>
+          </a:effectRef>
+          <a:fontRef idx="minor">
+            <a:schemeClr val="tx1"/>
+          </a:fontRef>
+        </p:style>
+      </p:cxnSp>
     </p:spTree>
     <p:extLst>
       <p:ext uri="{BB962C8B-B14F-4D97-AF65-F5344CB8AC3E}">
@@ -4583,6 +4607,36 @@
           <a:chExt cx="0" cy="0"/>
         </a:xfrm>
       </p:grpSpPr>
+      <p:pic>
+        <p:nvPicPr>
+          <p:cNvPr id="2" name="图片 1">
+            <a:extLst>
+              <a:ext uri="{FF2B5EF4-FFF2-40B4-BE49-F238E27FC236}">
+                <a16:creationId xmlns:a16="http://schemas.microsoft.com/office/drawing/2014/main" id="{C4DDFE75-75F3-41DF-BFBF-E8CA08947478}"/>
+              </a:ext>
+            </a:extLst>
+          </p:cNvPr>
+          <p:cNvPicPr>
+            <a:picLocks noChangeAspect="1"/>
+          </p:cNvPicPr>
+          <p:nvPr/>
+        </p:nvPicPr>
+        <p:blipFill>
+          <a:blip r:embed="rId2"/>
+          <a:stretch>
+            <a:fillRect/>
+          </a:stretch>
+        </p:blipFill>
+        <p:spPr>
+          <a:xfrm>
+            <a:off x="505483" y="822734"/>
+            <a:ext cx="11181033" cy="5212532"/>
+          </a:xfrm>
+          <a:prstGeom prst="rect">
+            <a:avLst/>
+          </a:prstGeom>
+        </p:spPr>
+      </p:pic>
     </p:spTree>
     <p:extLst>
       <p:ext uri="{BB962C8B-B14F-4D97-AF65-F5344CB8AC3E}">
